--- a/2.regression/逻辑回归ppt.pptx
+++ b/2.regression/逻辑回归ppt.pptx
@@ -104,6 +104,11 @@
       </a:defRPr>
     </a:lvl9pPr>
   </p:defaultTextStyle>
+  <p:extLst>
+    <p:ext uri="{EFAFB233-063F-42B5-8137-9DF3F51BA10A}">
+      <p15:sldGuideLst xmlns:p15="http://schemas.microsoft.com/office/powerpoint/2012/main"/>
+    </p:ext>
+  </p:extLst>
 </p:presentation>
 </file>
 
@@ -238,7 +243,7 @@
           <a:p>
             <a:fld id="{F01DF008-98E8-431A-8E62-393CA2A403CB}" type="datetimeFigureOut">
               <a:rPr lang="zh-CN" altLang="en-US" smtClean="0"/>
-              <a:t>2022/10/17</a:t>
+              <a:t>2022/10/18</a:t>
             </a:fld>
             <a:endParaRPr lang="zh-CN" altLang="en-US"/>
           </a:p>
@@ -408,7 +413,7 @@
           <a:p>
             <a:fld id="{F01DF008-98E8-431A-8E62-393CA2A403CB}" type="datetimeFigureOut">
               <a:rPr lang="zh-CN" altLang="en-US" smtClean="0"/>
-              <a:t>2022/10/17</a:t>
+              <a:t>2022/10/18</a:t>
             </a:fld>
             <a:endParaRPr lang="zh-CN" altLang="en-US"/>
           </a:p>
@@ -588,7 +593,7 @@
           <a:p>
             <a:fld id="{F01DF008-98E8-431A-8E62-393CA2A403CB}" type="datetimeFigureOut">
               <a:rPr lang="zh-CN" altLang="en-US" smtClean="0"/>
-              <a:t>2022/10/17</a:t>
+              <a:t>2022/10/18</a:t>
             </a:fld>
             <a:endParaRPr lang="zh-CN" altLang="en-US"/>
           </a:p>
@@ -758,7 +763,7 @@
           <a:p>
             <a:fld id="{F01DF008-98E8-431A-8E62-393CA2A403CB}" type="datetimeFigureOut">
               <a:rPr lang="zh-CN" altLang="en-US" smtClean="0"/>
-              <a:t>2022/10/17</a:t>
+              <a:t>2022/10/18</a:t>
             </a:fld>
             <a:endParaRPr lang="zh-CN" altLang="en-US"/>
           </a:p>
@@ -1004,7 +1009,7 @@
           <a:p>
             <a:fld id="{F01DF008-98E8-431A-8E62-393CA2A403CB}" type="datetimeFigureOut">
               <a:rPr lang="zh-CN" altLang="en-US" smtClean="0"/>
-              <a:t>2022/10/17</a:t>
+              <a:t>2022/10/18</a:t>
             </a:fld>
             <a:endParaRPr lang="zh-CN" altLang="en-US"/>
           </a:p>
@@ -1236,7 +1241,7 @@
           <a:p>
             <a:fld id="{F01DF008-98E8-431A-8E62-393CA2A403CB}" type="datetimeFigureOut">
               <a:rPr lang="zh-CN" altLang="en-US" smtClean="0"/>
-              <a:t>2022/10/17</a:t>
+              <a:t>2022/10/18</a:t>
             </a:fld>
             <a:endParaRPr lang="zh-CN" altLang="en-US"/>
           </a:p>
@@ -1603,7 +1608,7 @@
           <a:p>
             <a:fld id="{F01DF008-98E8-431A-8E62-393CA2A403CB}" type="datetimeFigureOut">
               <a:rPr lang="zh-CN" altLang="en-US" smtClean="0"/>
-              <a:t>2022/10/17</a:t>
+              <a:t>2022/10/18</a:t>
             </a:fld>
             <a:endParaRPr lang="zh-CN" altLang="en-US"/>
           </a:p>
@@ -1721,7 +1726,7 @@
           <a:p>
             <a:fld id="{F01DF008-98E8-431A-8E62-393CA2A403CB}" type="datetimeFigureOut">
               <a:rPr lang="zh-CN" altLang="en-US" smtClean="0"/>
-              <a:t>2022/10/17</a:t>
+              <a:t>2022/10/18</a:t>
             </a:fld>
             <a:endParaRPr lang="zh-CN" altLang="en-US"/>
           </a:p>
@@ -1816,7 +1821,7 @@
           <a:p>
             <a:fld id="{F01DF008-98E8-431A-8E62-393CA2A403CB}" type="datetimeFigureOut">
               <a:rPr lang="zh-CN" altLang="en-US" smtClean="0"/>
-              <a:t>2022/10/17</a:t>
+              <a:t>2022/10/18</a:t>
             </a:fld>
             <a:endParaRPr lang="zh-CN" altLang="en-US"/>
           </a:p>
@@ -2093,7 +2098,7 @@
           <a:p>
             <a:fld id="{F01DF008-98E8-431A-8E62-393CA2A403CB}" type="datetimeFigureOut">
               <a:rPr lang="zh-CN" altLang="en-US" smtClean="0"/>
-              <a:t>2022/10/17</a:t>
+              <a:t>2022/10/18</a:t>
             </a:fld>
             <a:endParaRPr lang="zh-CN" altLang="en-US"/>
           </a:p>
@@ -2346,7 +2351,7 @@
           <a:p>
             <a:fld id="{F01DF008-98E8-431A-8E62-393CA2A403CB}" type="datetimeFigureOut">
               <a:rPr lang="zh-CN" altLang="en-US" smtClean="0"/>
-              <a:t>2022/10/17</a:t>
+              <a:t>2022/10/18</a:t>
             </a:fld>
             <a:endParaRPr lang="zh-CN" altLang="en-US"/>
           </a:p>
@@ -2559,7 +2564,7 @@
           <a:p>
             <a:fld id="{F01DF008-98E8-431A-8E62-393CA2A403CB}" type="datetimeFigureOut">
               <a:rPr lang="zh-CN" altLang="en-US" smtClean="0"/>
-              <a:t>2022/10/17</a:t>
+              <a:t>2022/10/18</a:t>
             </a:fld>
             <a:endParaRPr lang="zh-CN" altLang="en-US"/>
           </a:p>
@@ -3554,7 +3559,7 @@
         <p:spPr>
           <a:xfrm>
             <a:off x="5269967" y="297924"/>
-            <a:ext cx="6409038" cy="5355312"/>
+            <a:ext cx="6409038" cy="6740307"/>
           </a:xfrm>
           <a:prstGeom prst="rect">
             <a:avLst/>
@@ -3600,8 +3605,16 @@
               <a:t>  L = </a:t>
             </a:r>
             <a:r>
+              <a:rPr lang="zh-CN" altLang="en-US" dirty="0" smtClean="0"/>
+              <a:t>∑ </a:t>
+            </a:r>
+            <a:r>
               <a:rPr lang="en-US" altLang="zh-CN" dirty="0" smtClean="0"/>
-              <a:t>y log(y/</a:t>
+              <a:t>y </a:t>
+            </a:r>
+            <a:r>
+              <a:rPr lang="en-US" altLang="zh-CN" dirty="0" smtClean="0"/>
+              <a:t>log(y/</a:t>
             </a:r>
             <a:r>
               <a:rPr lang="en-US" altLang="zh-CN" dirty="0" err="1" smtClean="0"/>
@@ -3609,10 +3622,166 @@
             </a:r>
             <a:r>
               <a:rPr lang="en-US" altLang="zh-CN" dirty="0" smtClean="0"/>
-              <a:t>) + (1-y) log( (1-y)/(1-y_hat))</a:t>
-            </a:r>
-          </a:p>
-          <a:p>
+              <a:t>) = Σ {  </a:t>
+            </a:r>
+            <a:r>
+              <a:rPr lang="en-US" altLang="zh-CN" dirty="0" err="1" smtClean="0"/>
+              <a:t>ylog</a:t>
+            </a:r>
+            <a:r>
+              <a:rPr lang="en-US" altLang="zh-CN" dirty="0" smtClean="0"/>
+              <a:t>(y)- </a:t>
+            </a:r>
+            <a:r>
+              <a:rPr lang="en-US" altLang="zh-CN" dirty="0" err="1" smtClean="0"/>
+              <a:t>ylog</a:t>
+            </a:r>
+            <a:r>
+              <a:rPr lang="en-US" altLang="zh-CN" dirty="0" smtClean="0"/>
+              <a:t>(</a:t>
+            </a:r>
+            <a:r>
+              <a:rPr lang="en-US" altLang="zh-CN" dirty="0" err="1" smtClean="0"/>
+              <a:t>y_hat</a:t>
+            </a:r>
+            <a:r>
+              <a:rPr lang="en-US" altLang="zh-CN" dirty="0" smtClean="0"/>
+              <a:t>) } </a:t>
+            </a:r>
+          </a:p>
+          <a:p>
+            <a:r>
+              <a:rPr lang="en-US" altLang="zh-CN" dirty="0"/>
+              <a:t> </a:t>
+            </a:r>
+            <a:r>
+              <a:rPr lang="en-US" altLang="zh-CN" dirty="0" smtClean="0"/>
+              <a:t>     </a:t>
+            </a:r>
+            <a:r>
+              <a:rPr lang="zh-CN" altLang="en-US" dirty="0" smtClean="0"/>
+              <a:t>忽略</a:t>
+            </a:r>
+            <a:r>
+              <a:rPr lang="en-US" altLang="zh-CN" dirty="0" err="1"/>
+              <a:t>ylog</a:t>
+            </a:r>
+            <a:r>
+              <a:rPr lang="en-US" altLang="zh-CN" dirty="0"/>
+              <a:t>(y</a:t>
+            </a:r>
+            <a:r>
+              <a:rPr lang="en-US" altLang="zh-CN" dirty="0" smtClean="0"/>
+              <a:t>) </a:t>
+            </a:r>
+            <a:r>
+              <a:rPr lang="zh-CN" altLang="en-US" dirty="0" smtClean="0"/>
+              <a:t>这一项，因为这个是样本的，这样从相对熵转换为交叉熵。</a:t>
+            </a:r>
+            <a:endParaRPr lang="en-US" altLang="zh-CN" dirty="0" smtClean="0"/>
+          </a:p>
+          <a:p>
+            <a:r>
+              <a:rPr lang="en-US" altLang="zh-CN" dirty="0"/>
+              <a:t> </a:t>
+            </a:r>
+            <a:r>
+              <a:rPr lang="en-US" altLang="zh-CN" dirty="0"/>
+              <a:t>   Σ </a:t>
+            </a:r>
+            <a:r>
+              <a:rPr lang="en-US" altLang="zh-CN" dirty="0" smtClean="0"/>
+              <a:t>{- </a:t>
+            </a:r>
+            <a:r>
+              <a:rPr lang="en-US" altLang="zh-CN" dirty="0" err="1"/>
+              <a:t>ylog</a:t>
+            </a:r>
+            <a:r>
+              <a:rPr lang="en-US" altLang="zh-CN" dirty="0"/>
+              <a:t>(</a:t>
+            </a:r>
+            <a:r>
+              <a:rPr lang="en-US" altLang="zh-CN" dirty="0" err="1"/>
+              <a:t>y_hat</a:t>
+            </a:r>
+            <a:r>
+              <a:rPr lang="en-US" altLang="zh-CN" dirty="0"/>
+              <a:t>) } </a:t>
+            </a:r>
+            <a:endParaRPr lang="en-US" altLang="zh-CN" dirty="0" smtClean="0"/>
+          </a:p>
+          <a:p>
+            <a:r>
+              <a:rPr lang="en-US" altLang="zh-CN" dirty="0"/>
+              <a:t> </a:t>
+            </a:r>
+            <a:r>
+              <a:rPr lang="en-US" altLang="zh-CN" dirty="0" smtClean="0"/>
+              <a:t>   </a:t>
+            </a:r>
+            <a:r>
+              <a:rPr lang="zh-CN" altLang="en-US" dirty="0" smtClean="0"/>
+              <a:t>因为是</a:t>
+            </a:r>
+            <a:r>
+              <a:rPr lang="en-US" altLang="zh-CN" dirty="0" smtClean="0"/>
+              <a:t>y</a:t>
+            </a:r>
+            <a:r>
+              <a:rPr lang="zh-CN" altLang="en-US" dirty="0" smtClean="0"/>
+              <a:t>的取值是</a:t>
+            </a:r>
+            <a:r>
+              <a:rPr lang="en-US" altLang="zh-CN" dirty="0" smtClean="0"/>
+              <a:t>2</a:t>
+            </a:r>
+            <a:r>
+              <a:rPr lang="zh-CN" altLang="en-US" dirty="0" smtClean="0"/>
+              <a:t>分类，所以可以</a:t>
+            </a:r>
+            <a:endParaRPr lang="en-US" altLang="zh-CN" dirty="0" smtClean="0"/>
+          </a:p>
+          <a:p>
+            <a:r>
+              <a:rPr lang="en-US" altLang="zh-CN" dirty="0"/>
+              <a:t> </a:t>
+            </a:r>
+            <a:r>
+              <a:rPr lang="en-US" altLang="zh-CN" dirty="0" smtClean="0"/>
+              <a:t>   L= - </a:t>
+            </a:r>
+            <a:r>
+              <a:rPr lang="en-US" altLang="zh-CN" dirty="0" err="1"/>
+              <a:t>ylog</a:t>
+            </a:r>
+            <a:r>
+              <a:rPr lang="en-US" altLang="zh-CN" dirty="0"/>
+              <a:t>(</a:t>
+            </a:r>
+            <a:r>
+              <a:rPr lang="en-US" altLang="zh-CN" dirty="0" err="1"/>
+              <a:t>y_hat</a:t>
+            </a:r>
+            <a:r>
+              <a:rPr lang="en-US" altLang="zh-CN" dirty="0"/>
+              <a:t>)  </a:t>
+            </a:r>
+            <a:r>
+              <a:rPr lang="en-US" altLang="zh-CN" dirty="0" smtClean="0"/>
+              <a:t>- (1-y)log(1-y_hat)</a:t>
+            </a:r>
+            <a:endParaRPr lang="en-US" altLang="zh-CN" dirty="0" smtClean="0"/>
+          </a:p>
+          <a:p>
+            <a:r>
+              <a:rPr lang="en-US" altLang="zh-CN" dirty="0"/>
+              <a:t> </a:t>
+            </a:r>
+            <a:r>
+              <a:rPr lang="en-US" altLang="zh-CN" dirty="0" smtClean="0"/>
+              <a:t>  </a:t>
+            </a:r>
             <a:endParaRPr lang="en-US" altLang="zh-CN" dirty="0" smtClean="0"/>
           </a:p>
           <a:p>
@@ -3781,11 +3950,7 @@
             </a:r>
             <a:r>
               <a:rPr lang="en-US" altLang="zh-CN" dirty="0" smtClean="0"/>
-              <a:t>        </a:t>
-            </a:r>
-            <a:r>
-              <a:rPr lang="en-US" altLang="zh-CN" dirty="0" smtClean="0"/>
-              <a:t>β1 =β1 - </a:t>
+              <a:t>        β1 =β1 - </a:t>
             </a:r>
             <a:r>
               <a:rPr lang="en-US" altLang="zh-CN" dirty="0" err="1" smtClean="0"/>
@@ -3803,11 +3968,7 @@
             </a:r>
             <a:r>
               <a:rPr lang="en-US" altLang="zh-CN" dirty="0" smtClean="0"/>
-              <a:t>       </a:t>
-            </a:r>
-            <a:r>
-              <a:rPr lang="en-US" altLang="zh-CN" dirty="0" smtClean="0"/>
-              <a:t> β2 =β2 - </a:t>
+              <a:t>        β2 =β2 - </a:t>
             </a:r>
             <a:r>
               <a:rPr lang="en-US" altLang="zh-CN" dirty="0" err="1" smtClean="0"/>
@@ -3817,24 +3978,11 @@
               <a:rPr lang="en-US" altLang="zh-CN" dirty="0" smtClean="0"/>
               <a:t>/dβ2</a:t>
             </a:r>
-            <a:endParaRPr lang="en-US" altLang="zh-CN" dirty="0" smtClean="0"/>
           </a:p>
           <a:p>
             <a:r>
               <a:rPr lang="en-US" altLang="zh-CN" dirty="0" smtClean="0"/>
-              <a:t>         </a:t>
-            </a:r>
-            <a:r>
-              <a:rPr lang="en-US" altLang="zh-CN" dirty="0" smtClean="0"/>
-              <a:t>β</a:t>
-            </a:r>
-            <a:r>
-              <a:rPr lang="en-US" altLang="zh-CN" dirty="0" smtClean="0"/>
-              <a:t>n</a:t>
-            </a:r>
-            <a:r>
-              <a:rPr lang="en-US" altLang="zh-CN" dirty="0" smtClean="0"/>
-              <a:t> =βn - </a:t>
+              <a:t>         βn =βn - </a:t>
             </a:r>
             <a:r>
               <a:rPr lang="en-US" altLang="zh-CN" dirty="0" err="1" smtClean="0"/>
@@ -4000,15 +4148,7 @@
                   <a:srgbClr val="FF0000"/>
                 </a:solidFill>
               </a:rPr>
-              <a:t> / dβ)</a:t>
-            </a:r>
-            <a:r>
-              <a:rPr lang="en-US" altLang="zh-CN" b="1" dirty="0" smtClean="0">
-                <a:solidFill>
-                  <a:srgbClr val="FF0000"/>
-                </a:solidFill>
-              </a:rPr>
-              <a:t> </a:t>
+              <a:t> / dβ) </a:t>
             </a:r>
           </a:p>
           <a:p>
@@ -4042,15 +4182,7 @@
                   <a:srgbClr val="FF0000"/>
                 </a:solidFill>
               </a:rPr>
-              <a:t> - </a:t>
-            </a:r>
-            <a:r>
-              <a:rPr lang="en-US" altLang="zh-CN" b="1" dirty="0" smtClean="0">
-                <a:solidFill>
-                  <a:srgbClr val="FF0000"/>
-                </a:solidFill>
-              </a:rPr>
-              <a:t>y)* x</a:t>
+              <a:t> - y)* x</a:t>
             </a:r>
             <a:endParaRPr lang="en-US" altLang="zh-CN" b="1" dirty="0">
               <a:solidFill>
